--- a/Documents/Ecc Cipher.pptx
+++ b/Documents/Ecc Cipher.pptx
@@ -5,7 +5,7 @@
     <p:sldMasterId id="2147483785" r:id="rId1"/>
   </p:sldMasterIdLst>
   <p:notesMasterIdLst>
-    <p:notesMasterId r:id="rId16"/>
+    <p:notesMasterId r:id="rId17"/>
   </p:notesMasterIdLst>
   <p:sldIdLst>
     <p:sldId id="256" r:id="rId2"/>
@@ -20,8 +20,9 @@
     <p:sldId id="295" r:id="rId11"/>
     <p:sldId id="297" r:id="rId12"/>
     <p:sldId id="298" r:id="rId13"/>
-    <p:sldId id="300" r:id="rId14"/>
-    <p:sldId id="285" r:id="rId15"/>
+    <p:sldId id="301" r:id="rId14"/>
+    <p:sldId id="300" r:id="rId15"/>
+    <p:sldId id="285" r:id="rId16"/>
   </p:sldIdLst>
   <p:sldSz cx="12192000" cy="6858000"/>
   <p:notesSz cx="6858000" cy="9144000"/>
@@ -1163,7 +1164,7 @@
           <a:p>
             <a:fld id="{E3BFD279-5C0D-4577-8BC8-F2A99E0295D8}" type="slidenum">
               <a:rPr lang="en-US" smtClean="0"/>
-              <a:t>13</a:t>
+              <a:t>14</a:t>
             </a:fld>
             <a:endParaRPr lang="en-US"/>
           </a:p>
@@ -6586,6 +6587,139 @@
           <p:cNvPr id="2" name="Title 1">
             <a:extLst>
               <a:ext uri="{FF2B5EF4-FFF2-40B4-BE49-F238E27FC236}">
+                <a16:creationId xmlns:a16="http://schemas.microsoft.com/office/drawing/2014/main" id="{EB8E2E99-4726-4F65-B66B-98ABC342BF67}"/>
+              </a:ext>
+            </a:extLst>
+          </p:cNvPr>
+          <p:cNvSpPr>
+            <a:spLocks noGrp="1"/>
+          </p:cNvSpPr>
+          <p:nvPr>
+            <p:ph type="ctrTitle"/>
+          </p:nvPr>
+        </p:nvSpPr>
+        <p:spPr>
+          <a:xfrm>
+            <a:off x="1158044" y="1140541"/>
+            <a:ext cx="1948949" cy="681364"/>
+          </a:xfrm>
+        </p:spPr>
+        <p:txBody>
+          <a:bodyPr/>
+          <a:lstStyle/>
+          <a:p>
+            <a:pPr algn="ctr"/>
+            <a:r>
+              <a:rPr lang="en-US" sz="3600" b="1" u="sng" dirty="0"/>
+              <a:t>Output:</a:t>
+            </a:r>
+          </a:p>
+        </p:txBody>
+      </p:sp>
+      <p:sp>
+        <p:nvSpPr>
+          <p:cNvPr id="5" name="Subtitle 4">
+            <a:extLst>
+              <a:ext uri="{FF2B5EF4-FFF2-40B4-BE49-F238E27FC236}">
+                <a16:creationId xmlns:a16="http://schemas.microsoft.com/office/drawing/2014/main" id="{A5E43703-BCAF-4223-909D-6E372A42FAE1}"/>
+              </a:ext>
+            </a:extLst>
+          </p:cNvPr>
+          <p:cNvSpPr>
+            <a:spLocks noGrp="1"/>
+          </p:cNvSpPr>
+          <p:nvPr>
+            <p:ph type="subTitle" idx="1"/>
+          </p:nvPr>
+        </p:nvSpPr>
+        <p:spPr>
+          <a:xfrm>
+            <a:off x="1273893" y="2959964"/>
+            <a:ext cx="2088739" cy="569817"/>
+          </a:xfrm>
+        </p:spPr>
+        <p:txBody>
+          <a:bodyPr/>
+          <a:lstStyle/>
+          <a:p>
+            <a:r>
+              <a:rPr lang="en-US" dirty="0"/>
+              <a:t>Home Page --&gt;</a:t>
+            </a:r>
+          </a:p>
+        </p:txBody>
+      </p:sp>
+      <p:pic>
+        <p:nvPicPr>
+          <p:cNvPr id="4" name="Picture 3">
+            <a:extLst>
+              <a:ext uri="{FF2B5EF4-FFF2-40B4-BE49-F238E27FC236}">
+                <a16:creationId xmlns:a16="http://schemas.microsoft.com/office/drawing/2014/main" id="{9FFEF40A-D9D6-43C3-8A93-DD9C00255497}"/>
+              </a:ext>
+            </a:extLst>
+          </p:cNvPr>
+          <p:cNvPicPr>
+            <a:picLocks noChangeAspect="1"/>
+          </p:cNvPicPr>
+          <p:nvPr/>
+        </p:nvPicPr>
+        <p:blipFill>
+          <a:blip r:embed="rId2">
+            <a:extLst>
+              <a:ext uri="{28A0092B-C50C-407E-A947-70E740481C1C}">
+                <a14:useLocalDpi xmlns:a14="http://schemas.microsoft.com/office/drawing/2010/main" val="0"/>
+              </a:ext>
+            </a:extLst>
+          </a:blip>
+          <a:stretch>
+            <a:fillRect/>
+          </a:stretch>
+        </p:blipFill>
+        <p:spPr>
+          <a:xfrm>
+            <a:off x="3790952" y="1909916"/>
+            <a:ext cx="6562416" cy="3038168"/>
+          </a:xfrm>
+          <a:prstGeom prst="rect">
+            <a:avLst/>
+          </a:prstGeom>
+        </p:spPr>
+      </p:pic>
+    </p:spTree>
+    <p:extLst>
+      <p:ext uri="{BB962C8B-B14F-4D97-AF65-F5344CB8AC3E}">
+        <p14:creationId xmlns:p14="http://schemas.microsoft.com/office/powerpoint/2010/main" val="3977814301"/>
+      </p:ext>
+    </p:extLst>
+  </p:cSld>
+  <p:clrMapOvr>
+    <a:masterClrMapping/>
+  </p:clrMapOvr>
+</p:sld>
+</file>
+
+<file path=ppt/slides/slide14.xml><?xml version="1.0" encoding="utf-8"?>
+<p:sld xmlns:a="http://schemas.openxmlformats.org/drawingml/2006/main" xmlns:r="http://schemas.openxmlformats.org/officeDocument/2006/relationships" xmlns:p="http://schemas.openxmlformats.org/presentationml/2006/main">
+  <p:cSld>
+    <p:spTree>
+      <p:nvGrpSpPr>
+        <p:cNvPr id="1" name=""/>
+        <p:cNvGrpSpPr/>
+        <p:nvPr/>
+      </p:nvGrpSpPr>
+      <p:grpSpPr>
+        <a:xfrm>
+          <a:off x="0" y="0"/>
+          <a:ext cx="0" cy="0"/>
+          <a:chOff x="0" y="0"/>
+          <a:chExt cx="0" cy="0"/>
+        </a:xfrm>
+      </p:grpSpPr>
+      <p:sp>
+        <p:nvSpPr>
+          <p:cNvPr id="2" name="Title 1">
+            <a:extLst>
+              <a:ext uri="{FF2B5EF4-FFF2-40B4-BE49-F238E27FC236}">
                 <a16:creationId xmlns:a16="http://schemas.microsoft.com/office/drawing/2014/main" id="{D1751D89-6D9D-4F9B-A000-619F5DC6E1E8}"/>
               </a:ext>
             </a:extLst>
@@ -6952,7 +7086,7 @@
 </p:sld>
 </file>
 
-<file path=ppt/slides/slide14.xml><?xml version="1.0" encoding="utf-8"?>
+<file path=ppt/slides/slide15.xml><?xml version="1.0" encoding="utf-8"?>
 <p:sld xmlns:a="http://schemas.openxmlformats.org/drawingml/2006/main" xmlns:r="http://schemas.openxmlformats.org/officeDocument/2006/relationships" xmlns:p="http://schemas.openxmlformats.org/presentationml/2006/main">
   <p:cSld>
     <p:spTree>

--- a/Documents/Ecc Cipher.pptx
+++ b/Documents/Ecc Cipher.pptx
@@ -5,7 +5,7 @@
     <p:sldMasterId id="2147483785" r:id="rId1"/>
   </p:sldMasterIdLst>
   <p:notesMasterIdLst>
-    <p:notesMasterId r:id="rId17"/>
+    <p:notesMasterId r:id="rId18"/>
   </p:notesMasterIdLst>
   <p:sldIdLst>
     <p:sldId id="256" r:id="rId2"/>
@@ -23,6 +23,7 @@
     <p:sldId id="301" r:id="rId14"/>
     <p:sldId id="300" r:id="rId15"/>
     <p:sldId id="285" r:id="rId16"/>
+    <p:sldId id="302" r:id="rId17"/>
   </p:sldIdLst>
   <p:sldSz cx="12192000" cy="6858000"/>
   <p:notesSz cx="6858000" cy="9144000"/>
@@ -6999,18 +7000,8 @@
                   </a:schemeClr>
                 </a:solidFill>
               </a:rPr>
-              <a:t>Learn SageMath (used for analysis of curves)</a:t>
-            </a:r>
-          </a:p>
-          <a:p>
-            <a:endParaRPr lang="en-US" sz="2800" dirty="0">
-              <a:solidFill>
-                <a:schemeClr val="tx1">
-                  <a:lumMod val="75000"/>
-                  <a:lumOff val="25000"/>
-                </a:schemeClr>
-              </a:solidFill>
-            </a:endParaRPr>
+              <a:t>Selection of 5 best points from all the points on the curve.</a:t>
+            </a:r>
           </a:p>
           <a:p>
             <a:r>
@@ -7022,18 +7013,8 @@
                   </a:schemeClr>
                 </a:solidFill>
               </a:rPr>
-              <a:t>Improve UI of our web-app</a:t>
-            </a:r>
-          </a:p>
-          <a:p>
-            <a:endParaRPr lang="en-US" sz="2800" dirty="0">
-              <a:solidFill>
-                <a:schemeClr val="tx1">
-                  <a:lumMod val="75000"/>
-                  <a:lumOff val="25000"/>
-                </a:schemeClr>
-              </a:solidFill>
-            </a:endParaRPr>
+              <a:t>Calculation of average time taken by a point</a:t>
+            </a:r>
           </a:p>
           <a:p>
             <a:r>
@@ -7045,18 +7026,47 @@
                   </a:schemeClr>
                 </a:solidFill>
               </a:rPr>
+              <a:t>Calculation of average deviation</a:t>
+            </a:r>
+          </a:p>
+          <a:p>
+            <a:r>
+              <a:rPr lang="en-US" sz="2800" dirty="0">
+                <a:solidFill>
+                  <a:schemeClr val="tx1">
+                    <a:lumMod val="75000"/>
+                    <a:lumOff val="25000"/>
+                  </a:schemeClr>
+                </a:solidFill>
+              </a:rPr>
+              <a:t>Learn SageMath (used for analysis of curves)</a:t>
+            </a:r>
+          </a:p>
+          <a:p>
+            <a:r>
+              <a:rPr lang="en-US" sz="2800" dirty="0">
+                <a:solidFill>
+                  <a:schemeClr val="tx1">
+                    <a:lumMod val="75000"/>
+                    <a:lumOff val="25000"/>
+                  </a:schemeClr>
+                </a:solidFill>
+              </a:rPr>
+              <a:t>Improve UI of our web-app</a:t>
+            </a:r>
+          </a:p>
+          <a:p>
+            <a:r>
+              <a:rPr lang="en-US" sz="2800" dirty="0">
+                <a:solidFill>
+                  <a:schemeClr val="tx1">
+                    <a:lumMod val="75000"/>
+                    <a:lumOff val="25000"/>
+                  </a:schemeClr>
+                </a:solidFill>
+              </a:rPr>
               <a:t>Fixing Backend Bugs</a:t>
             </a:r>
-          </a:p>
-          <a:p>
-            <a:endParaRPr lang="en-US" sz="2800" dirty="0">
-              <a:solidFill>
-                <a:schemeClr val="tx1">
-                  <a:lumMod val="75000"/>
-                  <a:lumOff val="25000"/>
-                </a:schemeClr>
-              </a:solidFill>
-            </a:endParaRPr>
           </a:p>
           <a:p>
             <a:r>
@@ -7426,6 +7436,308 @@
         </p:txBody>
       </p:sp>
     </p:spTree>
+  </p:cSld>
+  <p:clrMapOvr>
+    <a:masterClrMapping/>
+  </p:clrMapOvr>
+</p:sld>
+</file>
+
+<file path=ppt/slides/slide16.xml><?xml version="1.0" encoding="utf-8"?>
+<p:sld xmlns:a="http://schemas.openxmlformats.org/drawingml/2006/main" xmlns:r="http://schemas.openxmlformats.org/officeDocument/2006/relationships" xmlns:p="http://schemas.openxmlformats.org/presentationml/2006/main">
+  <p:cSld>
+    <p:spTree>
+      <p:nvGrpSpPr>
+        <p:cNvPr id="1" name=""/>
+        <p:cNvGrpSpPr/>
+        <p:nvPr/>
+      </p:nvGrpSpPr>
+      <p:grpSpPr>
+        <a:xfrm>
+          <a:off x="0" y="0"/>
+          <a:ext cx="0" cy="0"/>
+          <a:chOff x="0" y="0"/>
+          <a:chExt cx="0" cy="0"/>
+        </a:xfrm>
+      </p:grpSpPr>
+      <p:sp>
+        <p:nvSpPr>
+          <p:cNvPr id="2" name="Title 1">
+            <a:extLst>
+              <a:ext uri="{FF2B5EF4-FFF2-40B4-BE49-F238E27FC236}">
+                <a16:creationId xmlns:a16="http://schemas.microsoft.com/office/drawing/2014/main" id="{20385857-6B81-4C44-A48C-D6B292CA9A56}"/>
+              </a:ext>
+            </a:extLst>
+          </p:cNvPr>
+          <p:cNvSpPr>
+            <a:spLocks noGrp="1"/>
+          </p:cNvSpPr>
+          <p:nvPr>
+            <p:ph type="title"/>
+          </p:nvPr>
+        </p:nvSpPr>
+        <p:spPr/>
+        <p:txBody>
+          <a:bodyPr/>
+          <a:lstStyle/>
+          <a:p>
+            <a:r>
+              <a:rPr lang="en-US" dirty="0"/>
+              <a:t>References</a:t>
+            </a:r>
+          </a:p>
+        </p:txBody>
+      </p:sp>
+      <p:sp>
+        <p:nvSpPr>
+          <p:cNvPr id="3" name="Content Placeholder 2">
+            <a:extLst>
+              <a:ext uri="{FF2B5EF4-FFF2-40B4-BE49-F238E27FC236}">
+                <a16:creationId xmlns:a16="http://schemas.microsoft.com/office/drawing/2014/main" id="{C0139A59-65C1-4508-A90D-075D8E0F1DFB}"/>
+              </a:ext>
+            </a:extLst>
+          </p:cNvPr>
+          <p:cNvSpPr>
+            <a:spLocks noGrp="1"/>
+          </p:cNvSpPr>
+          <p:nvPr>
+            <p:ph idx="1"/>
+          </p:nvPr>
+        </p:nvSpPr>
+        <p:spPr>
+          <a:xfrm>
+            <a:off x="1440426" y="1853381"/>
+            <a:ext cx="10505768" cy="4193458"/>
+          </a:xfrm>
+        </p:spPr>
+        <p:txBody>
+          <a:bodyPr/>
+          <a:lstStyle/>
+          <a:p>
+            <a:pPr marL="342900" marR="0" lvl="0" indent="-342900">
+              <a:lnSpc>
+                <a:spcPct val="107000"/>
+              </a:lnSpc>
+              <a:spcBef>
+                <a:spcPts val="0"/>
+              </a:spcBef>
+              <a:spcAft>
+                <a:spcPts val="0"/>
+              </a:spcAft>
+              <a:buFont typeface="Symbol" panose="05050102010706020507" pitchFamily="18" charset="2"/>
+              <a:buChar char=""/>
+            </a:pPr>
+            <a:r>
+              <a:rPr lang="en-US" sz="2400" dirty="0">
+                <a:effectLst/>
+                <a:latin typeface="Times New Roman" panose="02020603050405020304" pitchFamily="18" charset="0"/>
+                <a:ea typeface="Calibri" panose="020F0502020204030204" pitchFamily="34" charset="0"/>
+                <a:cs typeface="Times New Roman" panose="02020603050405020304" pitchFamily="18" charset="0"/>
+              </a:rPr>
+              <a:t>Cryptography and Network Security, 4th Edition, William Stallings</a:t>
+            </a:r>
+            <a:endParaRPr lang="en-US" sz="2400" dirty="0">
+              <a:effectLst/>
+              <a:latin typeface="Calibri" panose="020F0502020204030204" pitchFamily="34" charset="0"/>
+              <a:ea typeface="Calibri" panose="020F0502020204030204" pitchFamily="34" charset="0"/>
+              <a:cs typeface="Times New Roman" panose="02020603050405020304" pitchFamily="18" charset="0"/>
+            </a:endParaRPr>
+          </a:p>
+          <a:p>
+            <a:pPr marL="342900" marR="0" lvl="0" indent="-342900">
+              <a:lnSpc>
+                <a:spcPct val="107000"/>
+              </a:lnSpc>
+              <a:spcBef>
+                <a:spcPts val="0"/>
+              </a:spcBef>
+              <a:spcAft>
+                <a:spcPts val="0"/>
+              </a:spcAft>
+              <a:buFont typeface="Symbol" panose="05050102010706020507" pitchFamily="18" charset="2"/>
+              <a:buChar char=""/>
+            </a:pPr>
+            <a:r>
+              <a:rPr lang="en-US" sz="2400" u="sng" dirty="0">
+                <a:solidFill>
+                  <a:srgbClr val="0563C1"/>
+                </a:solidFill>
+                <a:effectLst/>
+                <a:latin typeface="Times New Roman" panose="02020603050405020304" pitchFamily="18" charset="0"/>
+                <a:ea typeface="Calibri" panose="020F0502020204030204" pitchFamily="34" charset="0"/>
+                <a:cs typeface="Times New Roman" panose="02020603050405020304" pitchFamily="18" charset="0"/>
+                <a:hlinkClick r:id="rId2"/>
+              </a:rPr>
+              <a:t>https://www.researchgate.net/publication/322348730_Analysis_of_standard_elliptic_curves_for_the_implementation_of_elliptic_curve_cryptography_in_resource-constrained_E-commerce_applications</a:t>
+            </a:r>
+            <a:endParaRPr lang="en-US" sz="2400" dirty="0">
+              <a:effectLst/>
+              <a:latin typeface="Calibri" panose="020F0502020204030204" pitchFamily="34" charset="0"/>
+              <a:ea typeface="Calibri" panose="020F0502020204030204" pitchFamily="34" charset="0"/>
+              <a:cs typeface="Times New Roman" panose="02020603050405020304" pitchFamily="18" charset="0"/>
+            </a:endParaRPr>
+          </a:p>
+          <a:p>
+            <a:pPr marL="342900" marR="0" lvl="0" indent="-342900">
+              <a:lnSpc>
+                <a:spcPct val="107000"/>
+              </a:lnSpc>
+              <a:spcBef>
+                <a:spcPts val="0"/>
+              </a:spcBef>
+              <a:spcAft>
+                <a:spcPts val="0"/>
+              </a:spcAft>
+              <a:buFont typeface="Symbol" panose="05050102010706020507" pitchFamily="18" charset="2"/>
+              <a:buChar char=""/>
+            </a:pPr>
+            <a:r>
+              <a:rPr lang="en-US" sz="2400" dirty="0">
+                <a:effectLst/>
+                <a:latin typeface="Times New Roman" panose="02020603050405020304" pitchFamily="18" charset="0"/>
+                <a:ea typeface="Calibri" panose="020F0502020204030204" pitchFamily="34" charset="0"/>
+                <a:cs typeface="Times New Roman" panose="02020603050405020304" pitchFamily="18" charset="0"/>
+              </a:rPr>
+              <a:t>Flask Documentation:</a:t>
+            </a:r>
+            <a:r>
+              <a:rPr lang="en-US" sz="2400" dirty="0">
+                <a:effectLst/>
+                <a:latin typeface="Calibri" panose="020F0502020204030204" pitchFamily="34" charset="0"/>
+                <a:ea typeface="Calibri" panose="020F0502020204030204" pitchFamily="34" charset="0"/>
+                <a:cs typeface="Times New Roman" panose="02020603050405020304" pitchFamily="18" charset="0"/>
+              </a:rPr>
+              <a:t> </a:t>
+            </a:r>
+            <a:r>
+              <a:rPr lang="en-US" sz="2400" u="sng" dirty="0">
+                <a:solidFill>
+                  <a:srgbClr val="0563C1"/>
+                </a:solidFill>
+                <a:effectLst/>
+                <a:latin typeface="Times New Roman" panose="02020603050405020304" pitchFamily="18" charset="0"/>
+                <a:ea typeface="Calibri" panose="020F0502020204030204" pitchFamily="34" charset="0"/>
+                <a:cs typeface="Times New Roman" panose="02020603050405020304" pitchFamily="18" charset="0"/>
+                <a:hlinkClick r:id="rId3"/>
+              </a:rPr>
+              <a:t>https://flask.palletsprojects.com/en/1.1.x/</a:t>
+            </a:r>
+            <a:endParaRPr lang="en-US" sz="2400" dirty="0">
+              <a:effectLst/>
+              <a:latin typeface="Calibri" panose="020F0502020204030204" pitchFamily="34" charset="0"/>
+              <a:ea typeface="Calibri" panose="020F0502020204030204" pitchFamily="34" charset="0"/>
+              <a:cs typeface="Times New Roman" panose="02020603050405020304" pitchFamily="18" charset="0"/>
+            </a:endParaRPr>
+          </a:p>
+          <a:p>
+            <a:pPr marL="342900" marR="0" lvl="0" indent="-342900">
+              <a:lnSpc>
+                <a:spcPct val="107000"/>
+              </a:lnSpc>
+              <a:spcBef>
+                <a:spcPts val="0"/>
+              </a:spcBef>
+              <a:spcAft>
+                <a:spcPts val="0"/>
+              </a:spcAft>
+              <a:buFont typeface="Symbol" panose="05050102010706020507" pitchFamily="18" charset="2"/>
+              <a:buChar char=""/>
+            </a:pPr>
+            <a:r>
+              <a:rPr lang="en-US" sz="2400" dirty="0">
+                <a:effectLst/>
+                <a:latin typeface="Times New Roman" panose="02020603050405020304" pitchFamily="18" charset="0"/>
+                <a:ea typeface="Calibri" panose="020F0502020204030204" pitchFamily="34" charset="0"/>
+                <a:cs typeface="Times New Roman" panose="02020603050405020304" pitchFamily="18" charset="0"/>
+              </a:rPr>
+              <a:t>Matplotlib library: </a:t>
+            </a:r>
+            <a:r>
+              <a:rPr lang="en-US" sz="2400" u="sng" dirty="0">
+                <a:solidFill>
+                  <a:srgbClr val="0563C1"/>
+                </a:solidFill>
+                <a:effectLst/>
+                <a:latin typeface="Times New Roman" panose="02020603050405020304" pitchFamily="18" charset="0"/>
+                <a:ea typeface="Calibri" panose="020F0502020204030204" pitchFamily="34" charset="0"/>
+                <a:cs typeface="Times New Roman" panose="02020603050405020304" pitchFamily="18" charset="0"/>
+                <a:hlinkClick r:id="rId4"/>
+              </a:rPr>
+              <a:t>https://matplotlib.org/stable/contents.html</a:t>
+            </a:r>
+            <a:endParaRPr lang="en-US" sz="2400" dirty="0">
+              <a:effectLst/>
+              <a:latin typeface="Calibri" panose="020F0502020204030204" pitchFamily="34" charset="0"/>
+              <a:ea typeface="Calibri" panose="020F0502020204030204" pitchFamily="34" charset="0"/>
+              <a:cs typeface="Times New Roman" panose="02020603050405020304" pitchFamily="18" charset="0"/>
+            </a:endParaRPr>
+          </a:p>
+          <a:p>
+            <a:pPr marL="342900" marR="0" lvl="0" indent="-342900">
+              <a:lnSpc>
+                <a:spcPct val="107000"/>
+              </a:lnSpc>
+              <a:spcBef>
+                <a:spcPts val="0"/>
+              </a:spcBef>
+              <a:spcAft>
+                <a:spcPts val="800"/>
+              </a:spcAft>
+              <a:buFont typeface="Symbol" panose="05050102010706020507" pitchFamily="18" charset="2"/>
+              <a:buChar char=""/>
+            </a:pPr>
+            <a:r>
+              <a:rPr lang="en-US" sz="2400" dirty="0">
+                <a:effectLst/>
+                <a:latin typeface="Times New Roman" panose="02020603050405020304" pitchFamily="18" charset="0"/>
+                <a:ea typeface="Calibri" panose="020F0502020204030204" pitchFamily="34" charset="0"/>
+                <a:cs typeface="Times New Roman" panose="02020603050405020304" pitchFamily="18" charset="0"/>
+              </a:rPr>
+              <a:t>Sqlalchemy:</a:t>
+            </a:r>
+            <a:r>
+              <a:rPr lang="en-US" sz="2400" u="sng" dirty="0">
+                <a:solidFill>
+                  <a:srgbClr val="0563C1"/>
+                </a:solidFill>
+                <a:effectLst/>
+                <a:latin typeface="Times New Roman" panose="02020603050405020304" pitchFamily="18" charset="0"/>
+                <a:ea typeface="Calibri" panose="020F0502020204030204" pitchFamily="34" charset="0"/>
+                <a:cs typeface="Times New Roman" panose="02020603050405020304" pitchFamily="18" charset="0"/>
+                <a:hlinkClick r:id="rId5"/>
+              </a:rPr>
+              <a:t> https://docs.sqlalchemy.org/en/14/</a:t>
+            </a:r>
+            <a:r>
+              <a:rPr lang="en-US" sz="2400" dirty="0">
+                <a:effectLst/>
+                <a:latin typeface="Times New Roman" panose="02020603050405020304" pitchFamily="18" charset="0"/>
+                <a:ea typeface="Calibri" panose="020F0502020204030204" pitchFamily="34" charset="0"/>
+                <a:cs typeface="Times New Roman" panose="02020603050405020304" pitchFamily="18" charset="0"/>
+              </a:rPr>
+              <a:t> </a:t>
+            </a:r>
+            <a:endParaRPr lang="en-US" sz="2400" dirty="0">
+              <a:effectLst/>
+              <a:latin typeface="Calibri" panose="020F0502020204030204" pitchFamily="34" charset="0"/>
+              <a:ea typeface="Calibri" panose="020F0502020204030204" pitchFamily="34" charset="0"/>
+              <a:cs typeface="Times New Roman" panose="02020603050405020304" pitchFamily="18" charset="0"/>
+            </a:endParaRPr>
+          </a:p>
+          <a:p>
+            <a:pPr marL="0" indent="0">
+              <a:buNone/>
+            </a:pPr>
+            <a:endParaRPr lang="en-US" dirty="0"/>
+          </a:p>
+        </p:txBody>
+      </p:sp>
+    </p:spTree>
+    <p:extLst>
+      <p:ext uri="{BB962C8B-B14F-4D97-AF65-F5344CB8AC3E}">
+        <p14:creationId xmlns:p14="http://schemas.microsoft.com/office/powerpoint/2010/main" val="2919403842"/>
+      </p:ext>
+    </p:extLst>
   </p:cSld>
   <p:clrMapOvr>
     <a:masterClrMapping/>
@@ -8640,10 +8952,6 @@
             </a:r>
           </a:p>
           <a:p>
-            <a:pPr marL="285750" indent="-285750">
-              <a:buFont typeface="Wingdings" panose="05000000000000000000" pitchFamily="2" charset="2"/>
-              <a:buChar char="§"/>
-            </a:pPr>
             <a:endParaRPr lang="en-US" sz="2200" dirty="0"/>
           </a:p>
           <a:p>

--- a/Documents/Ecc Cipher.pptx
+++ b/Documents/Ecc Cipher.pptx
@@ -5,7 +5,7 @@
     <p:sldMasterId id="2147483785" r:id="rId1"/>
   </p:sldMasterIdLst>
   <p:notesMasterIdLst>
-    <p:notesMasterId r:id="rId18"/>
+    <p:notesMasterId r:id="rId19"/>
   </p:notesMasterIdLst>
   <p:sldIdLst>
     <p:sldId id="256" r:id="rId2"/>
@@ -24,6 +24,7 @@
     <p:sldId id="300" r:id="rId15"/>
     <p:sldId id="285" r:id="rId16"/>
     <p:sldId id="302" r:id="rId17"/>
+    <p:sldId id="303" r:id="rId18"/>
   </p:sldIdLst>
   <p:sldSz cx="12192000" cy="6858000"/>
   <p:notesSz cx="6858000" cy="9144000"/>
@@ -212,7 +213,7 @@
           <a:p>
             <a:fld id="{9FB1AB82-4106-4417-BAEC-8FD1733E29D9}" type="datetimeFigureOut">
               <a:rPr lang="en-US" smtClean="0"/>
-              <a:t>4/15/2021</a:t>
+              <a:t>4/16/2021</a:t>
             </a:fld>
             <a:endParaRPr lang="en-US"/>
           </a:p>
@@ -1353,7 +1354,7 @@
           <a:p>
             <a:fld id="{09504ED6-4339-4D14-9311-7D7EDD79FD57}" type="datetimeFigureOut">
               <a:rPr lang="en-US" smtClean="0"/>
-              <a:t>4/15/2021</a:t>
+              <a:t>4/16/2021</a:t>
             </a:fld>
             <a:endParaRPr lang="en-US"/>
           </a:p>
@@ -1683,7 +1684,7 @@
           <a:p>
             <a:fld id="{09504ED6-4339-4D14-9311-7D7EDD79FD57}" type="datetimeFigureOut">
               <a:rPr lang="en-US" smtClean="0"/>
-              <a:t>4/15/2021</a:t>
+              <a:t>4/16/2021</a:t>
             </a:fld>
             <a:endParaRPr lang="en-US"/>
           </a:p>
@@ -1863,7 +1864,7 @@
           <a:p>
             <a:fld id="{09504ED6-4339-4D14-9311-7D7EDD79FD57}" type="datetimeFigureOut">
               <a:rPr lang="en-US" smtClean="0"/>
-              <a:t>4/15/2021</a:t>
+              <a:t>4/16/2021</a:t>
             </a:fld>
             <a:endParaRPr lang="en-US"/>
           </a:p>
@@ -2033,7 +2034,7 @@
           <a:p>
             <a:fld id="{09504ED6-4339-4D14-9311-7D7EDD79FD57}" type="datetimeFigureOut">
               <a:rPr lang="en-US" smtClean="0"/>
-              <a:t>4/15/2021</a:t>
+              <a:t>4/16/2021</a:t>
             </a:fld>
             <a:endParaRPr lang="en-US"/>
           </a:p>
@@ -2310,7 +2311,7 @@
           <a:p>
             <a:fld id="{09504ED6-4339-4D14-9311-7D7EDD79FD57}" type="datetimeFigureOut">
               <a:rPr lang="en-US" smtClean="0"/>
-              <a:t>4/15/2021</a:t>
+              <a:t>4/16/2021</a:t>
             </a:fld>
             <a:endParaRPr lang="en-US"/>
           </a:p>
@@ -2704,7 +2705,7 @@
           <a:p>
             <a:fld id="{09504ED6-4339-4D14-9311-7D7EDD79FD57}" type="datetimeFigureOut">
               <a:rPr lang="en-US" smtClean="0"/>
-              <a:t>4/15/2021</a:t>
+              <a:t>4/16/2021</a:t>
             </a:fld>
             <a:endParaRPr lang="en-US"/>
           </a:p>
@@ -3181,7 +3182,7 @@
           <a:p>
             <a:fld id="{09504ED6-4339-4D14-9311-7D7EDD79FD57}" type="datetimeFigureOut">
               <a:rPr lang="en-US" smtClean="0"/>
-              <a:t>4/15/2021</a:t>
+              <a:t>4/16/2021</a:t>
             </a:fld>
             <a:endParaRPr lang="en-US"/>
           </a:p>
@@ -3299,7 +3300,7 @@
           <a:p>
             <a:fld id="{09504ED6-4339-4D14-9311-7D7EDD79FD57}" type="datetimeFigureOut">
               <a:rPr lang="en-US" smtClean="0"/>
-              <a:t>4/15/2021</a:t>
+              <a:t>4/16/2021</a:t>
             </a:fld>
             <a:endParaRPr lang="en-US"/>
           </a:p>
@@ -3394,7 +3395,7 @@
           <a:p>
             <a:fld id="{09504ED6-4339-4D14-9311-7D7EDD79FD57}" type="datetimeFigureOut">
               <a:rPr lang="en-US" smtClean="0"/>
-              <a:t>4/15/2021</a:t>
+              <a:t>4/16/2021</a:t>
             </a:fld>
             <a:endParaRPr lang="en-US"/>
           </a:p>
@@ -3740,7 +3741,7 @@
           <a:p>
             <a:fld id="{09504ED6-4339-4D14-9311-7D7EDD79FD57}" type="datetimeFigureOut">
               <a:rPr lang="en-US" smtClean="0"/>
-              <a:t>4/15/2021</a:t>
+              <a:t>4/16/2021</a:t>
             </a:fld>
             <a:endParaRPr lang="en-US"/>
           </a:p>
@@ -4128,7 +4129,7 @@
           <a:p>
             <a:fld id="{09504ED6-4339-4D14-9311-7D7EDD79FD57}" type="datetimeFigureOut">
               <a:rPr lang="en-US" smtClean="0"/>
-              <a:t>4/15/2021</a:t>
+              <a:t>4/16/2021</a:t>
             </a:fld>
             <a:endParaRPr lang="en-US"/>
           </a:p>
@@ -4406,7 +4407,7 @@
           <a:p>
             <a:fld id="{09504ED6-4339-4D14-9311-7D7EDD79FD57}" type="datetimeFigureOut">
               <a:rPr lang="en-US" smtClean="0"/>
-              <a:t>4/15/2021</a:t>
+              <a:t>4/16/2021</a:t>
             </a:fld>
             <a:endParaRPr lang="en-US"/>
           </a:p>
@@ -6464,6 +6465,77 @@
             </a:r>
           </a:p>
           <a:p>
+            <a:r>
+              <a:rPr lang="en-US" sz="2400" dirty="0">
+                <a:solidFill>
+                  <a:schemeClr val="tx1">
+                    <a:lumMod val="75000"/>
+                    <a:lumOff val="25000"/>
+                  </a:schemeClr>
+                </a:solidFill>
+              </a:rPr>
+              <a:t>Understood the algorithmic concepts reqd.</a:t>
+            </a:r>
+          </a:p>
+          <a:p>
+            <a:r>
+              <a:rPr lang="en-US" sz="2400" dirty="0">
+                <a:solidFill>
+                  <a:schemeClr val="tx1">
+                    <a:lumMod val="75000"/>
+                    <a:lumOff val="25000"/>
+                  </a:schemeClr>
+                </a:solidFill>
+              </a:rPr>
+              <a:t>Created a web-app that plots the curves that are pre-defined</a:t>
+            </a:r>
+          </a:p>
+          <a:p>
+            <a:pPr lvl="1"/>
+            <a:r>
+              <a:rPr lang="en-US" sz="2400" dirty="0">
+                <a:solidFill>
+                  <a:schemeClr val="tx1">
+                    <a:lumMod val="75000"/>
+                    <a:lumOff val="25000"/>
+                  </a:schemeClr>
+                </a:solidFill>
+              </a:rPr>
+              <a:t>Basic interface ready</a:t>
+            </a:r>
+          </a:p>
+          <a:p>
+            <a:pPr lvl="1"/>
+            <a:r>
+              <a:rPr lang="en-US" sz="2400" dirty="0">
+                <a:solidFill>
+                  <a:schemeClr val="tx1">
+                    <a:lumMod val="75000"/>
+                    <a:lumOff val="25000"/>
+                  </a:schemeClr>
+                </a:solidFill>
+              </a:rPr>
+              <a:t>Back-end majorly completed</a:t>
+            </a:r>
+          </a:p>
+          <a:p>
+            <a:pPr lvl="1"/>
+            <a:r>
+              <a:rPr lang="en-US" sz="2400" dirty="0">
+                <a:solidFill>
+                  <a:schemeClr val="tx1">
+                    <a:lumMod val="75000"/>
+                    <a:lumOff val="25000"/>
+                  </a:schemeClr>
+                </a:solidFill>
+              </a:rPr>
+              <a:t>Currently gives O/P for predefined parameters</a:t>
+            </a:r>
+          </a:p>
+          <a:p>
+            <a:pPr marL="530352" lvl="1" indent="0">
+              <a:buNone/>
+            </a:pPr>
             <a:endParaRPr lang="en-US" sz="2400" dirty="0">
               <a:solidFill>
                 <a:schemeClr val="tx1">
@@ -6474,19 +6546,58 @@
             </a:endParaRPr>
           </a:p>
           <a:p>
+            <a:pPr marL="0" marR="0">
+              <a:lnSpc>
+                <a:spcPct val="107000"/>
+              </a:lnSpc>
+              <a:spcBef>
+                <a:spcPts val="0"/>
+              </a:spcBef>
+              <a:spcAft>
+                <a:spcPts val="800"/>
+              </a:spcAft>
+            </a:pPr>
             <a:r>
               <a:rPr lang="en-US" sz="2400" dirty="0">
-                <a:solidFill>
-                  <a:schemeClr val="tx1">
-                    <a:lumMod val="75000"/>
-                    <a:lumOff val="25000"/>
-                  </a:schemeClr>
-                </a:solidFill>
+                <a:effectLst/>
+                <a:latin typeface="Times New Roman" panose="02020603050405020304" pitchFamily="18" charset="0"/>
+                <a:ea typeface="Calibri" panose="020F0502020204030204" pitchFamily="34" charset="0"/>
+                <a:cs typeface="Times New Roman" panose="02020603050405020304" pitchFamily="18" charset="0"/>
               </a:rPr>
-              <a:t>Understood the algorithmic concepts reqd.</a:t>
-            </a:r>
-          </a:p>
-          <a:p>
+              <a:t>The entire code has been uploaded on GitHub:</a:t>
+            </a:r>
+            <a:endParaRPr lang="en-US" sz="2400" dirty="0">
+              <a:effectLst/>
+              <a:latin typeface="Calibri" panose="020F0502020204030204" pitchFamily="34" charset="0"/>
+              <a:ea typeface="Calibri" panose="020F0502020204030204" pitchFamily="34" charset="0"/>
+              <a:cs typeface="Times New Roman" panose="02020603050405020304" pitchFamily="18" charset="0"/>
+            </a:endParaRPr>
+          </a:p>
+          <a:p>
+            <a:pPr marL="0" marR="0">
+              <a:lnSpc>
+                <a:spcPct val="107000"/>
+              </a:lnSpc>
+              <a:spcBef>
+                <a:spcPts val="0"/>
+              </a:spcBef>
+              <a:spcAft>
+                <a:spcPts val="800"/>
+              </a:spcAft>
+            </a:pPr>
+            <a:r>
+              <a:rPr lang="en-US" sz="2400" u="sng" dirty="0">
+                <a:solidFill>
+                  <a:srgbClr val="0563C1"/>
+                </a:solidFill>
+                <a:effectLst/>
+                <a:latin typeface="Times New Roman" panose="02020603050405020304" pitchFamily="18" charset="0"/>
+                <a:ea typeface="Calibri" panose="020F0502020204030204" pitchFamily="34" charset="0"/>
+                <a:cs typeface="Times New Roman" panose="02020603050405020304" pitchFamily="18" charset="0"/>
+                <a:hlinkClick r:id="rId2"/>
+              </a:rPr>
+              <a:t>https://github.com/Jaidev810/ECC-Cipher.git</a:t>
+            </a:r>
             <a:endParaRPr lang="en-US" sz="2400" dirty="0">
               <a:solidFill>
                 <a:schemeClr val="tx1">
@@ -6497,59 +6608,17 @@
             </a:endParaRPr>
           </a:p>
           <a:p>
-            <a:r>
-              <a:rPr lang="en-US" sz="2400" dirty="0">
-                <a:solidFill>
-                  <a:schemeClr val="tx1">
-                    <a:lumMod val="75000"/>
-                    <a:lumOff val="25000"/>
-                  </a:schemeClr>
-                </a:solidFill>
-              </a:rPr>
-              <a:t>Created a web-app that plots the curves that are pre-defined</a:t>
-            </a:r>
-          </a:p>
-          <a:p>
-            <a:pPr lvl="1"/>
-            <a:r>
-              <a:rPr lang="en-US" sz="2400" dirty="0">
-                <a:solidFill>
-                  <a:schemeClr val="tx1">
-                    <a:lumMod val="75000"/>
-                    <a:lumOff val="25000"/>
-                  </a:schemeClr>
-                </a:solidFill>
-              </a:rPr>
-              <a:t>Basic interface ready</a:t>
-            </a:r>
-          </a:p>
-          <a:p>
-            <a:pPr lvl="1"/>
-            <a:r>
-              <a:rPr lang="en-US" sz="2400" dirty="0">
-                <a:solidFill>
-                  <a:schemeClr val="tx1">
-                    <a:lumMod val="75000"/>
-                    <a:lumOff val="25000"/>
-                  </a:schemeClr>
-                </a:solidFill>
-              </a:rPr>
-              <a:t>Back-end majorly completed</a:t>
-            </a:r>
-          </a:p>
-          <a:p>
-            <a:pPr lvl="1"/>
-            <a:r>
-              <a:rPr lang="en-US" sz="2400" dirty="0">
-                <a:solidFill>
-                  <a:schemeClr val="tx1">
-                    <a:lumMod val="75000"/>
-                    <a:lumOff val="25000"/>
-                  </a:schemeClr>
-                </a:solidFill>
-              </a:rPr>
-              <a:t>Currently gives O/P for predefined parameters</a:t>
-            </a:r>
+            <a:pPr marL="530352" lvl="1" indent="0">
+              <a:buNone/>
+            </a:pPr>
+            <a:endParaRPr lang="en-US" sz="2400" dirty="0">
+              <a:solidFill>
+                <a:schemeClr val="tx1">
+                  <a:lumMod val="75000"/>
+                  <a:lumOff val="25000"/>
+                </a:schemeClr>
+              </a:solidFill>
+            </a:endParaRPr>
           </a:p>
         </p:txBody>
       </p:sp>
@@ -7736,6 +7805,65 @@
     <p:extLst>
       <p:ext uri="{BB962C8B-B14F-4D97-AF65-F5344CB8AC3E}">
         <p14:creationId xmlns:p14="http://schemas.microsoft.com/office/powerpoint/2010/main" val="2919403842"/>
+      </p:ext>
+    </p:extLst>
+  </p:cSld>
+  <p:clrMapOvr>
+    <a:masterClrMapping/>
+  </p:clrMapOvr>
+</p:sld>
+</file>
+
+<file path=ppt/slides/slide17.xml><?xml version="1.0" encoding="utf-8"?>
+<p:sld xmlns:a="http://schemas.openxmlformats.org/drawingml/2006/main" xmlns:r="http://schemas.openxmlformats.org/officeDocument/2006/relationships" xmlns:p="http://schemas.openxmlformats.org/presentationml/2006/main">
+  <p:cSld>
+    <p:spTree>
+      <p:nvGrpSpPr>
+        <p:cNvPr id="1" name=""/>
+        <p:cNvGrpSpPr/>
+        <p:nvPr/>
+      </p:nvGrpSpPr>
+      <p:grpSpPr>
+        <a:xfrm>
+          <a:off x="0" y="0"/>
+          <a:ext cx="0" cy="0"/>
+          <a:chOff x="0" y="0"/>
+          <a:chExt cx="0" cy="0"/>
+        </a:xfrm>
+      </p:grpSpPr>
+      <p:sp>
+        <p:nvSpPr>
+          <p:cNvPr id="2" name="Title 1">
+            <a:extLst>
+              <a:ext uri="{FF2B5EF4-FFF2-40B4-BE49-F238E27FC236}">
+                <a16:creationId xmlns:a16="http://schemas.microsoft.com/office/drawing/2014/main" id="{2C6C1087-0DC2-4067-A813-2FB749538DD2}"/>
+              </a:ext>
+            </a:extLst>
+          </p:cNvPr>
+          <p:cNvSpPr>
+            <a:spLocks noGrp="1"/>
+          </p:cNvSpPr>
+          <p:nvPr>
+            <p:ph type="ctrTitle"/>
+          </p:nvPr>
+        </p:nvSpPr>
+        <p:spPr/>
+        <p:txBody>
+          <a:bodyPr/>
+          <a:lstStyle/>
+          <a:p>
+            <a:pPr algn="ctr"/>
+            <a:r>
+              <a:rPr lang="en-US" dirty="0"/>
+              <a:t>Thank You</a:t>
+            </a:r>
+          </a:p>
+        </p:txBody>
+      </p:sp>
+    </p:spTree>
+    <p:extLst>
+      <p:ext uri="{BB962C8B-B14F-4D97-AF65-F5344CB8AC3E}">
+        <p14:creationId xmlns:p14="http://schemas.microsoft.com/office/powerpoint/2010/main" val="1234125516"/>
       </p:ext>
     </p:extLst>
   </p:cSld>
